--- a/New Microsoft PowerPoint Presentation.pptx
+++ b/New Microsoft PowerPoint Presentation.pptx
@@ -8,6 +8,9 @@
     <p:sldId id="256" r:id="rId2"/>
     <p:sldId id="257" r:id="rId3"/>
     <p:sldId id="258" r:id="rId4"/>
+    <p:sldId id="259" r:id="rId5"/>
+    <p:sldId id="260" r:id="rId6"/>
+    <p:sldId id="261" r:id="rId7"/>
   </p:sldIdLst>
   <p:sldSz cx="12192000" cy="6858000"/>
   <p:notesSz cx="6858000" cy="9144000"/>
@@ -106,6 +109,11 @@
       </a:defRPr>
     </a:lvl9pPr>
   </p:defaultTextStyle>
+  <p:extLst>
+    <p:ext uri="{EFAFB233-063F-42B5-8137-9DF3F51BA10A}">
+      <p15:sldGuideLst xmlns:p15="http://schemas.microsoft.com/office/powerpoint/2012/main"/>
+    </p:ext>
+  </p:extLst>
 </p:presentation>
 </file>
 
@@ -170,7 +178,7 @@
           </a:lstStyle>
           <a:p>
             <a:r>
-              <a:rPr lang="en-US" smtClean="0"/>
+              <a:rPr lang="en-US"/>
               <a:t>Click to edit Master title style</a:t>
             </a:r>
             <a:endParaRPr lang="en-US" dirty="0"/>
@@ -243,7 +251,7 @@
           </a:lstStyle>
           <a:p>
             <a:r>
-              <a:rPr lang="en-US" smtClean="0"/>
+              <a:rPr lang="en-US"/>
               <a:t>Click to edit Master subtitle style</a:t>
             </a:r>
             <a:endParaRPr lang="en-US" dirty="0"/>
@@ -277,7 +285,7 @@
           <a:p>
             <a:fld id="{FD9CA656-C100-49DB-ABDB-C1222A87F138}" type="datetimeFigureOut">
               <a:rPr lang="en-US" smtClean="0"/>
-              <a:t>9/8/2024</a:t>
+              <a:t>2024-09-09</a:t>
             </a:fld>
             <a:endParaRPr lang="en-US"/>
           </a:p>
@@ -429,7 +437,7 @@
           <a:lstStyle/>
           <a:p>
             <a:r>
-              <a:rPr lang="en-US" smtClean="0"/>
+              <a:rPr lang="en-US"/>
               <a:t>Click to edit Master title style</a:t>
             </a:r>
             <a:endParaRPr lang="en-US" dirty="0"/>
@@ -453,35 +461,35 @@
           <a:p>
             <a:pPr lvl="0"/>
             <a:r>
-              <a:rPr lang="en-US" smtClean="0"/>
+              <a:rPr lang="en-US"/>
               <a:t>Click to edit Master text styles</a:t>
             </a:r>
           </a:p>
           <a:p>
             <a:pPr lvl="1"/>
             <a:r>
-              <a:rPr lang="en-US" smtClean="0"/>
+              <a:rPr lang="en-US"/>
               <a:t>Second level</a:t>
             </a:r>
           </a:p>
           <a:p>
             <a:pPr lvl="2"/>
             <a:r>
-              <a:rPr lang="en-US" smtClean="0"/>
+              <a:rPr lang="en-US"/>
               <a:t>Third level</a:t>
             </a:r>
           </a:p>
           <a:p>
             <a:pPr lvl="3"/>
             <a:r>
-              <a:rPr lang="en-US" smtClean="0"/>
+              <a:rPr lang="en-US"/>
               <a:t>Fourth level</a:t>
             </a:r>
           </a:p>
           <a:p>
             <a:pPr lvl="4"/>
             <a:r>
-              <a:rPr lang="en-US" smtClean="0"/>
+              <a:rPr lang="en-US"/>
               <a:t>Fifth level</a:t>
             </a:r>
             <a:endParaRPr lang="en-US" dirty="0"/>
@@ -505,7 +513,7 @@
           <a:p>
             <a:fld id="{FD9CA656-C100-49DB-ABDB-C1222A87F138}" type="datetimeFigureOut">
               <a:rPr lang="en-US" smtClean="0"/>
-              <a:t>9/8/2024</a:t>
+              <a:t>2024-09-09</a:t>
             </a:fld>
             <a:endParaRPr lang="en-US"/>
           </a:p>
@@ -604,7 +612,7 @@
           <a:lstStyle/>
           <a:p>
             <a:r>
-              <a:rPr lang="en-US" smtClean="0"/>
+              <a:rPr lang="en-US"/>
               <a:t>Click to edit Master title style</a:t>
             </a:r>
             <a:endParaRPr lang="en-US" dirty="0"/>
@@ -633,35 +641,35 @@
           <a:p>
             <a:pPr lvl="0"/>
             <a:r>
-              <a:rPr lang="en-US" smtClean="0"/>
+              <a:rPr lang="en-US"/>
               <a:t>Click to edit Master text styles</a:t>
             </a:r>
           </a:p>
           <a:p>
             <a:pPr lvl="1"/>
             <a:r>
-              <a:rPr lang="en-US" smtClean="0"/>
+              <a:rPr lang="en-US"/>
               <a:t>Second level</a:t>
             </a:r>
           </a:p>
           <a:p>
             <a:pPr lvl="2"/>
             <a:r>
-              <a:rPr lang="en-US" smtClean="0"/>
+              <a:rPr lang="en-US"/>
               <a:t>Third level</a:t>
             </a:r>
           </a:p>
           <a:p>
             <a:pPr lvl="3"/>
             <a:r>
-              <a:rPr lang="en-US" smtClean="0"/>
+              <a:rPr lang="en-US"/>
               <a:t>Fourth level</a:t>
             </a:r>
           </a:p>
           <a:p>
             <a:pPr lvl="4"/>
             <a:r>
-              <a:rPr lang="en-US" smtClean="0"/>
+              <a:rPr lang="en-US"/>
               <a:t>Fifth level</a:t>
             </a:r>
             <a:endParaRPr lang="en-US" dirty="0"/>
@@ -685,7 +693,7 @@
           <a:p>
             <a:fld id="{FD9CA656-C100-49DB-ABDB-C1222A87F138}" type="datetimeFigureOut">
               <a:rPr lang="en-US" smtClean="0"/>
-              <a:t>9/8/2024</a:t>
+              <a:t>2024-09-09</a:t>
             </a:fld>
             <a:endParaRPr lang="en-US"/>
           </a:p>
@@ -779,7 +787,7 @@
           <a:lstStyle/>
           <a:p>
             <a:r>
-              <a:rPr lang="en-US" smtClean="0"/>
+              <a:rPr lang="en-US"/>
               <a:t>Click to edit Master title style</a:t>
             </a:r>
             <a:endParaRPr lang="en-US" dirty="0"/>
@@ -803,35 +811,35 @@
           <a:p>
             <a:pPr lvl="0"/>
             <a:r>
-              <a:rPr lang="en-US" smtClean="0"/>
+              <a:rPr lang="en-US"/>
               <a:t>Click to edit Master text styles</a:t>
             </a:r>
           </a:p>
           <a:p>
             <a:pPr lvl="1"/>
             <a:r>
-              <a:rPr lang="en-US" smtClean="0"/>
+              <a:rPr lang="en-US"/>
               <a:t>Second level</a:t>
             </a:r>
           </a:p>
           <a:p>
             <a:pPr lvl="2"/>
             <a:r>
-              <a:rPr lang="en-US" smtClean="0"/>
+              <a:rPr lang="en-US"/>
               <a:t>Third level</a:t>
             </a:r>
           </a:p>
           <a:p>
             <a:pPr lvl="3"/>
             <a:r>
-              <a:rPr lang="en-US" smtClean="0"/>
+              <a:rPr lang="en-US"/>
               <a:t>Fourth level</a:t>
             </a:r>
           </a:p>
           <a:p>
             <a:pPr lvl="4"/>
             <a:r>
-              <a:rPr lang="en-US" smtClean="0"/>
+              <a:rPr lang="en-US"/>
               <a:t>Fifth level</a:t>
             </a:r>
             <a:endParaRPr lang="en-US" dirty="0"/>
@@ -855,7 +863,7 @@
           <a:p>
             <a:fld id="{FD9CA656-C100-49DB-ABDB-C1222A87F138}" type="datetimeFigureOut">
               <a:rPr lang="en-US" smtClean="0"/>
-              <a:t>9/8/2024</a:t>
+              <a:t>2024-09-09</a:t>
             </a:fld>
             <a:endParaRPr lang="en-US"/>
           </a:p>
@@ -963,7 +971,7 @@
           </a:lstStyle>
           <a:p>
             <a:r>
-              <a:rPr lang="en-US" smtClean="0"/>
+              <a:rPr lang="en-US"/>
               <a:t>Click to edit Master title style</a:t>
             </a:r>
             <a:endParaRPr lang="en-US" dirty="0"/>
@@ -1086,7 +1094,7 @@
           <a:p>
             <a:pPr lvl="0"/>
             <a:r>
-              <a:rPr lang="en-US" smtClean="0"/>
+              <a:rPr lang="en-US"/>
               <a:t>Click to edit Master text styles</a:t>
             </a:r>
           </a:p>
@@ -1109,7 +1117,7 @@
           <a:p>
             <a:fld id="{FD9CA656-C100-49DB-ABDB-C1222A87F138}" type="datetimeFigureOut">
               <a:rPr lang="en-US" smtClean="0"/>
-              <a:t>9/8/2024</a:t>
+              <a:t>2024-09-09</a:t>
             </a:fld>
             <a:endParaRPr lang="en-US"/>
           </a:p>
@@ -1241,7 +1249,7 @@
           <a:lstStyle/>
           <a:p>
             <a:r>
-              <a:rPr lang="en-US" smtClean="0"/>
+              <a:rPr lang="en-US"/>
               <a:t>Click to edit Master title style</a:t>
             </a:r>
             <a:endParaRPr lang="en-US" dirty="0"/>
@@ -1298,35 +1306,35 @@
           <a:p>
             <a:pPr lvl="0"/>
             <a:r>
-              <a:rPr lang="en-US" smtClean="0"/>
+              <a:rPr lang="en-US"/>
               <a:t>Click to edit Master text styles</a:t>
             </a:r>
           </a:p>
           <a:p>
             <a:pPr lvl="1"/>
             <a:r>
-              <a:rPr lang="en-US" smtClean="0"/>
+              <a:rPr lang="en-US"/>
               <a:t>Second level</a:t>
             </a:r>
           </a:p>
           <a:p>
             <a:pPr lvl="2"/>
             <a:r>
-              <a:rPr lang="en-US" smtClean="0"/>
+              <a:rPr lang="en-US"/>
               <a:t>Third level</a:t>
             </a:r>
           </a:p>
           <a:p>
             <a:pPr lvl="3"/>
             <a:r>
-              <a:rPr lang="en-US" smtClean="0"/>
+              <a:rPr lang="en-US"/>
               <a:t>Fourth level</a:t>
             </a:r>
           </a:p>
           <a:p>
             <a:pPr lvl="4"/>
             <a:r>
-              <a:rPr lang="en-US" smtClean="0"/>
+              <a:rPr lang="en-US"/>
               <a:t>Fifth level</a:t>
             </a:r>
             <a:endParaRPr lang="en-US" dirty="0"/>
@@ -1383,35 +1391,35 @@
           <a:p>
             <a:pPr lvl="0"/>
             <a:r>
-              <a:rPr lang="en-US" smtClean="0"/>
+              <a:rPr lang="en-US"/>
               <a:t>Click to edit Master text styles</a:t>
             </a:r>
           </a:p>
           <a:p>
             <a:pPr lvl="1"/>
             <a:r>
-              <a:rPr lang="en-US" smtClean="0"/>
+              <a:rPr lang="en-US"/>
               <a:t>Second level</a:t>
             </a:r>
           </a:p>
           <a:p>
             <a:pPr lvl="2"/>
             <a:r>
-              <a:rPr lang="en-US" smtClean="0"/>
+              <a:rPr lang="en-US"/>
               <a:t>Third level</a:t>
             </a:r>
           </a:p>
           <a:p>
             <a:pPr lvl="3"/>
             <a:r>
-              <a:rPr lang="en-US" smtClean="0"/>
+              <a:rPr lang="en-US"/>
               <a:t>Fourth level</a:t>
             </a:r>
           </a:p>
           <a:p>
             <a:pPr lvl="4"/>
             <a:r>
-              <a:rPr lang="en-US" smtClean="0"/>
+              <a:rPr lang="en-US"/>
               <a:t>Fifth level</a:t>
             </a:r>
             <a:endParaRPr lang="en-US" dirty="0"/>
@@ -1435,7 +1443,7 @@
           <a:p>
             <a:fld id="{FD9CA656-C100-49DB-ABDB-C1222A87F138}" type="datetimeFigureOut">
               <a:rPr lang="en-US" smtClean="0"/>
-              <a:t>9/8/2024</a:t>
+              <a:t>2024-09-09</a:t>
             </a:fld>
             <a:endParaRPr lang="en-US"/>
           </a:p>
@@ -1529,7 +1537,7 @@
           <a:lstStyle/>
           <a:p>
             <a:r>
-              <a:rPr lang="en-US" smtClean="0"/>
+              <a:rPr lang="en-US"/>
               <a:t>Click to edit Master title style</a:t>
             </a:r>
             <a:endParaRPr lang="en-US" dirty="0"/>
@@ -1604,7 +1612,7 @@
           <a:p>
             <a:pPr lvl="0"/>
             <a:r>
-              <a:rPr lang="en-US" smtClean="0"/>
+              <a:rPr lang="en-US"/>
               <a:t>Click to edit Master text styles</a:t>
             </a:r>
           </a:p>
@@ -1660,35 +1668,35 @@
           <a:p>
             <a:pPr lvl="0"/>
             <a:r>
-              <a:rPr lang="en-US" smtClean="0"/>
+              <a:rPr lang="en-US"/>
               <a:t>Click to edit Master text styles</a:t>
             </a:r>
           </a:p>
           <a:p>
             <a:pPr lvl="1"/>
             <a:r>
-              <a:rPr lang="en-US" smtClean="0"/>
+              <a:rPr lang="en-US"/>
               <a:t>Second level</a:t>
             </a:r>
           </a:p>
           <a:p>
             <a:pPr lvl="2"/>
             <a:r>
-              <a:rPr lang="en-US" smtClean="0"/>
+              <a:rPr lang="en-US"/>
               <a:t>Third level</a:t>
             </a:r>
           </a:p>
           <a:p>
             <a:pPr lvl="3"/>
             <a:r>
-              <a:rPr lang="en-US" smtClean="0"/>
+              <a:rPr lang="en-US"/>
               <a:t>Fourth level</a:t>
             </a:r>
           </a:p>
           <a:p>
             <a:pPr lvl="4"/>
             <a:r>
-              <a:rPr lang="en-US" smtClean="0"/>
+              <a:rPr lang="en-US"/>
               <a:t>Fifth level</a:t>
             </a:r>
             <a:endParaRPr lang="en-US" dirty="0"/>
@@ -1778,7 +1786,7 @@
               <a:buNone/>
             </a:pPr>
             <a:r>
-              <a:rPr lang="en-US" smtClean="0"/>
+              <a:rPr lang="en-US"/>
               <a:t>Click to edit Master text styles</a:t>
             </a:r>
           </a:p>
@@ -1834,35 +1842,35 @@
           <a:p>
             <a:pPr lvl="0"/>
             <a:r>
-              <a:rPr lang="en-US" smtClean="0"/>
+              <a:rPr lang="en-US"/>
               <a:t>Click to edit Master text styles</a:t>
             </a:r>
           </a:p>
           <a:p>
             <a:pPr lvl="1"/>
             <a:r>
-              <a:rPr lang="en-US" smtClean="0"/>
+              <a:rPr lang="en-US"/>
               <a:t>Second level</a:t>
             </a:r>
           </a:p>
           <a:p>
             <a:pPr lvl="2"/>
             <a:r>
-              <a:rPr lang="en-US" smtClean="0"/>
+              <a:rPr lang="en-US"/>
               <a:t>Third level</a:t>
             </a:r>
           </a:p>
           <a:p>
             <a:pPr lvl="3"/>
             <a:r>
-              <a:rPr lang="en-US" smtClean="0"/>
+              <a:rPr lang="en-US"/>
               <a:t>Fourth level</a:t>
             </a:r>
           </a:p>
           <a:p>
             <a:pPr lvl="4"/>
             <a:r>
-              <a:rPr lang="en-US" smtClean="0"/>
+              <a:rPr lang="en-US"/>
               <a:t>Fifth level</a:t>
             </a:r>
             <a:endParaRPr lang="en-US" dirty="0"/>
@@ -1886,7 +1894,7 @@
           <a:p>
             <a:fld id="{FD9CA656-C100-49DB-ABDB-C1222A87F138}" type="datetimeFigureOut">
               <a:rPr lang="en-US" smtClean="0"/>
-              <a:t>9/8/2024</a:t>
+              <a:t>2024-09-09</a:t>
             </a:fld>
             <a:endParaRPr lang="en-US"/>
           </a:p>
@@ -1980,7 +1988,7 @@
           <a:lstStyle/>
           <a:p>
             <a:r>
-              <a:rPr lang="en-US" smtClean="0"/>
+              <a:rPr lang="en-US"/>
               <a:t>Click to edit Master title style</a:t>
             </a:r>
             <a:endParaRPr lang="en-US" dirty="0"/>
@@ -2004,7 +2012,7 @@
           <a:p>
             <a:fld id="{FD9CA656-C100-49DB-ABDB-C1222A87F138}" type="datetimeFigureOut">
               <a:rPr lang="en-US" smtClean="0"/>
-              <a:t>9/8/2024</a:t>
+              <a:t>2024-09-09</a:t>
             </a:fld>
             <a:endParaRPr lang="en-US"/>
           </a:p>
@@ -2099,7 +2107,7 @@
           <a:p>
             <a:fld id="{FD9CA656-C100-49DB-ABDB-C1222A87F138}" type="datetimeFigureOut">
               <a:rPr lang="en-US" smtClean="0"/>
-              <a:t>9/8/2024</a:t>
+              <a:t>2024-09-09</a:t>
             </a:fld>
             <a:endParaRPr lang="en-US"/>
           </a:p>
@@ -2204,7 +2212,7 @@
           </a:lstStyle>
           <a:p>
             <a:r>
-              <a:rPr lang="en-US" smtClean="0"/>
+              <a:rPr lang="en-US"/>
               <a:t>Click to edit Master title style</a:t>
             </a:r>
             <a:endParaRPr lang="en-US" dirty="0"/>
@@ -2261,35 +2269,35 @@
           <a:p>
             <a:pPr lvl="0"/>
             <a:r>
-              <a:rPr lang="en-US" smtClean="0"/>
+              <a:rPr lang="en-US"/>
               <a:t>Click to edit Master text styles</a:t>
             </a:r>
           </a:p>
           <a:p>
             <a:pPr lvl="1"/>
             <a:r>
-              <a:rPr lang="en-US" smtClean="0"/>
+              <a:rPr lang="en-US"/>
               <a:t>Second level</a:t>
             </a:r>
           </a:p>
           <a:p>
             <a:pPr lvl="2"/>
             <a:r>
-              <a:rPr lang="en-US" smtClean="0"/>
+              <a:rPr lang="en-US"/>
               <a:t>Third level</a:t>
             </a:r>
           </a:p>
           <a:p>
             <a:pPr lvl="3"/>
             <a:r>
-              <a:rPr lang="en-US" smtClean="0"/>
+              <a:rPr lang="en-US"/>
               <a:t>Fourth level</a:t>
             </a:r>
           </a:p>
           <a:p>
             <a:pPr lvl="4"/>
             <a:r>
-              <a:rPr lang="en-US" smtClean="0"/>
+              <a:rPr lang="en-US"/>
               <a:t>Fifth level</a:t>
             </a:r>
             <a:endParaRPr lang="en-US" dirty="0"/>
@@ -2363,7 +2371,7 @@
           <a:p>
             <a:pPr lvl="0"/>
             <a:r>
-              <a:rPr lang="en-US" smtClean="0"/>
+              <a:rPr lang="en-US"/>
               <a:t>Click to edit Master text styles</a:t>
             </a:r>
           </a:p>
@@ -2386,7 +2394,7 @@
           <a:p>
             <a:fld id="{FD9CA656-C100-49DB-ABDB-C1222A87F138}" type="datetimeFigureOut">
               <a:rPr lang="en-US" smtClean="0"/>
-              <a:t>9/8/2024</a:t>
+              <a:t>2024-09-09</a:t>
             </a:fld>
             <a:endParaRPr lang="en-US"/>
           </a:p>
@@ -2533,7 +2541,7 @@
           </a:lstStyle>
           <a:p>
             <a:r>
-              <a:rPr lang="en-US" smtClean="0"/>
+              <a:rPr lang="en-US"/>
               <a:t>Click to edit Master title style</a:t>
             </a:r>
             <a:endParaRPr lang="en-US" dirty="0"/>
@@ -2605,7 +2613,7 @@
           </a:lstStyle>
           <a:p>
             <a:r>
-              <a:rPr lang="en-US" smtClean="0"/>
+              <a:rPr lang="en-US"/>
               <a:t>Click icon to add picture</a:t>
             </a:r>
             <a:endParaRPr lang="en-US" dirty="0"/>
@@ -2685,7 +2693,7 @@
           <a:p>
             <a:pPr lvl="0"/>
             <a:r>
-              <a:rPr lang="en-US" smtClean="0"/>
+              <a:rPr lang="en-US"/>
               <a:t>Click to edit Master text styles</a:t>
             </a:r>
           </a:p>
@@ -2708,7 +2716,7 @@
           <a:p>
             <a:fld id="{FD9CA656-C100-49DB-ABDB-C1222A87F138}" type="datetimeFigureOut">
               <a:rPr lang="en-US" smtClean="0"/>
-              <a:t>9/8/2024</a:t>
+              <a:t>2024-09-09</a:t>
             </a:fld>
             <a:endParaRPr lang="en-US"/>
           </a:p>
@@ -2857,7 +2865,7 @@
           <a:lstStyle/>
           <a:p>
             <a:r>
-              <a:rPr lang="en-US" smtClean="0"/>
+              <a:rPr lang="en-US"/>
               <a:t>Click to edit Master title style</a:t>
             </a:r>
             <a:endParaRPr lang="en-US" dirty="0"/>
@@ -2891,35 +2899,35 @@
           <a:p>
             <a:pPr lvl="0"/>
             <a:r>
-              <a:rPr lang="en-US" smtClean="0"/>
+              <a:rPr lang="en-US"/>
               <a:t>Click to edit Master text styles</a:t>
             </a:r>
           </a:p>
           <a:p>
             <a:pPr lvl="1"/>
             <a:r>
-              <a:rPr lang="en-US" smtClean="0"/>
+              <a:rPr lang="en-US"/>
               <a:t>Second level</a:t>
             </a:r>
           </a:p>
           <a:p>
             <a:pPr lvl="2"/>
             <a:r>
-              <a:rPr lang="en-US" smtClean="0"/>
+              <a:rPr lang="en-US"/>
               <a:t>Third level</a:t>
             </a:r>
           </a:p>
           <a:p>
             <a:pPr lvl="3"/>
             <a:r>
-              <a:rPr lang="en-US" smtClean="0"/>
+              <a:rPr lang="en-US"/>
               <a:t>Fourth level</a:t>
             </a:r>
           </a:p>
           <a:p>
             <a:pPr lvl="4"/>
             <a:r>
-              <a:rPr lang="en-US" smtClean="0"/>
+              <a:rPr lang="en-US"/>
               <a:t>Fifth level</a:t>
             </a:r>
             <a:endParaRPr lang="en-US" dirty="0"/>
@@ -2962,7 +2970,7 @@
           <a:p>
             <a:fld id="{FD9CA656-C100-49DB-ABDB-C1222A87F138}" type="datetimeFigureOut">
               <a:rPr lang="en-US" smtClean="0"/>
-              <a:t>9/8/2024</a:t>
+              <a:t>2024-09-09</a:t>
             </a:fld>
             <a:endParaRPr lang="en-US"/>
           </a:p>
@@ -3047,6 +3055,52 @@
               <a:t>‹#›</a:t>
             </a:fld>
             <a:endParaRPr lang="en-US"/>
+          </a:p>
+        </p:txBody>
+      </p:sp>
+      <p:sp>
+        <p:nvSpPr>
+          <p:cNvPr id="9" name="TextBox 8">
+            <a:extLst>
+              <a:ext uri="{FF2B5EF4-FFF2-40B4-BE49-F238E27FC236}">
+                <a16:creationId xmlns:a16="http://schemas.microsoft.com/office/drawing/2014/main" id="{8CD131E2-F710-CF3B-D707-F32161E10CAF}"/>
+              </a:ext>
+            </a:extLst>
+          </p:cNvPr>
+          <p:cNvSpPr txBox="1"/>
+          <p:nvPr userDrawn="1">
+            <p:extLst>
+              <p:ext uri="{1162E1C5-73C7-4A58-AE30-91384D911F3F}">
+                <p184:classification xmlns:p184="http://schemas.microsoft.com/office/powerpoint/2018/4/main" val="ftr"/>
+              </p:ext>
+            </p:extLst>
+          </p:nvPr>
+        </p:nvSpPr>
+        <p:spPr>
+          <a:xfrm>
+            <a:off x="5649913" y="6672580"/>
+            <a:ext cx="920750" cy="121920"/>
+          </a:xfrm>
+          <a:prstGeom prst="rect">
+            <a:avLst/>
+          </a:prstGeom>
+        </p:spPr>
+        <p:txBody>
+          <a:bodyPr horzOverflow="overflow" lIns="0" tIns="0" rIns="0" bIns="0">
+            <a:spAutoFit/>
+          </a:bodyPr>
+          <a:lstStyle/>
+          <a:p>
+            <a:pPr algn="l"/>
+            <a:r>
+              <a:rPr lang="en-US" sz="800">
+                <a:solidFill>
+                  <a:srgbClr val="ED7D31"/>
+                </a:solidFill>
+                <a:latin typeface="Helvetica 75 Bold" panose="020B0804020202020204" pitchFamily="34" charset="0"/>
+              </a:rPr>
+              <a:t>Orange Restricted</a:t>
+            </a:r>
           </a:p>
         </p:txBody>
       </p:sp>
@@ -3506,13 +3560,6 @@
   <p:clrMapOvr>
     <a:masterClrMapping/>
   </p:clrMapOvr>
-  <p:timing>
-    <p:tnLst>
-      <p:par>
-        <p:cTn id="1" dur="indefinite" restart="never" nodeType="tmRoot"/>
-      </p:par>
-    </p:tnLst>
-  </p:timing>
 </p:sld>
 </file>
 
@@ -3549,18 +3596,13 @@
           <a:lstStyle/>
           <a:p>
             <a:r>
-              <a:rPr lang="en-US" dirty="0" smtClean="0">
+              <a:rPr lang="en-US" dirty="0">
                 <a:solidFill>
                   <a:srgbClr val="FF0000"/>
                 </a:solidFill>
               </a:rPr>
               <a:t>Agenda</a:t>
             </a:r>
-            <a:endParaRPr lang="en-US" dirty="0">
-              <a:solidFill>
-                <a:srgbClr val="FF0000"/>
-              </a:solidFill>
-            </a:endParaRPr>
           </a:p>
         </p:txBody>
       </p:sp>
@@ -3587,19 +3629,13 @@
               <a:rPr lang="en-US" dirty="0">
                 <a:effectLst/>
               </a:rPr>
-              <a:t>Problem &amp; Key </a:t>
-            </a:r>
-            <a:r>
-              <a:rPr lang="en-US" dirty="0" smtClean="0">
-                <a:effectLst/>
-              </a:rPr>
-              <a:t>Findings</a:t>
+              <a:t>Problem &amp; Key Findings</a:t>
             </a:r>
           </a:p>
           <a:p>
             <a:pPr lvl="1"/>
             <a:r>
-              <a:rPr lang="en-US" dirty="0" smtClean="0">
+              <a:rPr lang="en-US" dirty="0">
                 <a:effectLst/>
               </a:rPr>
               <a:t>Data Exploration </a:t>
@@ -3608,7 +3644,23 @@
           <a:p>
             <a:pPr lvl="1"/>
             <a:r>
-              <a:rPr lang="en-US" dirty="0" smtClean="0">
+              <a:rPr lang="en-US" dirty="0">
+                <a:effectLst/>
+              </a:rPr>
+              <a:t>Handle Im</a:t>
+            </a:r>
+            <a:r>
+              <a:rPr lang="en-US" dirty="0"/>
+              <a:t>balanced Data</a:t>
+            </a:r>
+            <a:endParaRPr lang="en-US" dirty="0">
+              <a:effectLst/>
+            </a:endParaRPr>
+          </a:p>
+          <a:p>
+            <a:pPr lvl="1"/>
+            <a:r>
+              <a:rPr lang="en-US" dirty="0">
                 <a:effectLst/>
               </a:rPr>
               <a:t>Feature Selection</a:t>
@@ -3617,7 +3669,7 @@
           <a:p>
             <a:pPr lvl="1"/>
             <a:r>
-              <a:rPr lang="en-US" dirty="0" smtClean="0">
+              <a:rPr lang="en-US" dirty="0">
                 <a:effectLst/>
               </a:rPr>
               <a:t>Data Engineering</a:t>
@@ -3638,19 +3690,13 @@
               <a:rPr lang="en-US" dirty="0">
                 <a:effectLst/>
               </a:rPr>
-              <a:t>Approach &amp; </a:t>
-            </a:r>
-            <a:r>
-              <a:rPr lang="en-US" dirty="0" smtClean="0">
-                <a:effectLst/>
-              </a:rPr>
-              <a:t>Results</a:t>
+              <a:t>Approach &amp; Results</a:t>
             </a:r>
           </a:p>
           <a:p>
             <a:pPr lvl="1"/>
             <a:r>
-              <a:rPr lang="en-US" dirty="0" smtClean="0">
+              <a:rPr lang="en-US" dirty="0">
                 <a:effectLst/>
               </a:rPr>
               <a:t>Random Forest</a:t>
@@ -3659,7 +3705,7 @@
           <a:p>
             <a:pPr lvl="1"/>
             <a:r>
-              <a:rPr lang="en-US" dirty="0" smtClean="0">
+              <a:rPr lang="en-US" dirty="0">
                 <a:effectLst/>
               </a:rPr>
               <a:t>Deep Learning</a:t>
@@ -3696,13 +3742,6 @@
   <p:clrMapOvr>
     <a:masterClrMapping/>
   </p:clrMapOvr>
-  <p:timing>
-    <p:tnLst>
-      <p:par>
-        <p:cTn id="1" dur="indefinite" restart="never" nodeType="tmRoot"/>
-      </p:par>
-    </p:tnLst>
-  </p:timing>
 </p:sld>
 </file>
 
@@ -3739,18 +3778,13 @@
           <a:lstStyle/>
           <a:p>
             <a:r>
-              <a:rPr lang="en-US" dirty="0" smtClean="0">
+              <a:rPr lang="en-US" dirty="0">
                 <a:solidFill>
                   <a:srgbClr val="FF0000"/>
                 </a:solidFill>
               </a:rPr>
               <a:t>Main Objective</a:t>
             </a:r>
-            <a:endParaRPr lang="en-US" dirty="0">
-              <a:solidFill>
-                <a:srgbClr val="FF0000"/>
-              </a:solidFill>
-            </a:endParaRPr>
           </a:p>
         </p:txBody>
       </p:sp>
@@ -3775,34 +3809,9 @@
           <a:lstStyle/>
           <a:p>
             <a:r>
-              <a:rPr lang="en-US" dirty="0" smtClean="0"/>
-              <a:t>The main goal of this task is to use the data </a:t>
-            </a:r>
-            <a:r>
               <a:rPr lang="en-US" dirty="0"/>
-              <a:t>sources </a:t>
-            </a:r>
-            <a:r>
-              <a:rPr lang="en-US" dirty="0" smtClean="0"/>
-              <a:t>of previous clients to </a:t>
-            </a:r>
-            <a:r>
-              <a:rPr lang="en-US" dirty="0"/>
-              <a:t>accurately predict </a:t>
-            </a:r>
-            <a:r>
-              <a:rPr lang="en-US" dirty="0" smtClean="0"/>
-              <a:t>the future clients</a:t>
-            </a:r>
-            <a:r>
-              <a:rPr lang="en-US" dirty="0"/>
-              <a:t>’ repayment </a:t>
-            </a:r>
-            <a:r>
-              <a:rPr lang="en-US" dirty="0" smtClean="0"/>
-              <a:t>abilities.</a:t>
-            </a:r>
-            <a:endParaRPr lang="en-US" dirty="0"/>
+              <a:t>The main goal of this task is to use the data sources of previous clients to accurately predict the future clients’ repayment abilities.</a:t>
+            </a:r>
           </a:p>
         </p:txBody>
       </p:sp>
@@ -3829,7 +3838,7 @@
           <a:lstStyle/>
           <a:p>
             <a:r>
-              <a:rPr lang="en-US" sz="5400" dirty="0" smtClean="0"/>
+              <a:rPr lang="en-US" sz="5400" dirty="0"/>
               <a:t>0</a:t>
             </a:r>
           </a:p>
@@ -3858,7 +3867,7 @@
           <a:lstStyle/>
           <a:p>
             <a:r>
-              <a:rPr lang="en-US" sz="5400" dirty="0" smtClean="0"/>
+              <a:rPr lang="en-US" sz="5400" dirty="0"/>
               <a:t>1</a:t>
             </a:r>
           </a:p>
@@ -3887,10 +3896,9 @@
           <a:lstStyle/>
           <a:p>
             <a:r>
-              <a:rPr lang="en-US" sz="3200" dirty="0" smtClean="0"/>
+              <a:rPr lang="en-US" sz="3200" dirty="0"/>
               <a:t>Repaid the load</a:t>
             </a:r>
-            <a:endParaRPr lang="en-US" sz="3200" dirty="0" smtClean="0"/>
           </a:p>
         </p:txBody>
       </p:sp>
@@ -3917,10 +3925,9 @@
           <a:lstStyle/>
           <a:p>
             <a:r>
-              <a:rPr lang="en-US" sz="3200" dirty="0" smtClean="0"/>
+              <a:rPr lang="en-US" sz="3200" dirty="0"/>
               <a:t>Client had difficulty with repayment</a:t>
             </a:r>
-            <a:endParaRPr lang="en-US" sz="3200" dirty="0" smtClean="0"/>
           </a:p>
         </p:txBody>
       </p:sp>
@@ -4128,6 +4135,1288 @@
       <p:bldP spid="7" grpId="0"/>
     </p:bldLst>
   </p:timing>
+</p:sld>
+</file>
+
+<file path=ppt/slides/slide4.xml><?xml version="1.0" encoding="utf-8"?>
+<p:sld xmlns:a="http://schemas.openxmlformats.org/drawingml/2006/main" xmlns:r="http://schemas.openxmlformats.org/officeDocument/2006/relationships" xmlns:p="http://schemas.openxmlformats.org/presentationml/2006/main">
+  <p:cSld>
+    <p:spTree>
+      <p:nvGrpSpPr>
+        <p:cNvPr id="1" name=""/>
+        <p:cNvGrpSpPr/>
+        <p:nvPr/>
+      </p:nvGrpSpPr>
+      <p:grpSpPr>
+        <a:xfrm>
+          <a:off x="0" y="0"/>
+          <a:ext cx="0" cy="0"/>
+          <a:chOff x="0" y="0"/>
+          <a:chExt cx="0" cy="0"/>
+        </a:xfrm>
+      </p:grpSpPr>
+      <p:sp>
+        <p:nvSpPr>
+          <p:cNvPr id="2" name="Title 1">
+            <a:extLst>
+              <a:ext uri="{FF2B5EF4-FFF2-40B4-BE49-F238E27FC236}">
+                <a16:creationId xmlns:a16="http://schemas.microsoft.com/office/drawing/2014/main" id="{9D122FC9-6302-08E9-7BEA-5B7AE3C831AF}"/>
+              </a:ext>
+            </a:extLst>
+          </p:cNvPr>
+          <p:cNvSpPr>
+            <a:spLocks noGrp="1"/>
+          </p:cNvSpPr>
+          <p:nvPr>
+            <p:ph type="title"/>
+          </p:nvPr>
+        </p:nvSpPr>
+        <p:spPr/>
+        <p:txBody>
+          <a:bodyPr/>
+          <a:lstStyle/>
+          <a:p>
+            <a:r>
+              <a:rPr lang="en-US" dirty="0">
+                <a:solidFill>
+                  <a:srgbClr val="FF0000"/>
+                </a:solidFill>
+              </a:rPr>
+              <a:t>Handle Imbalanced Data</a:t>
+            </a:r>
+          </a:p>
+        </p:txBody>
+      </p:sp>
+      <p:sp>
+        <p:nvSpPr>
+          <p:cNvPr id="3" name="Content Placeholder 2">
+            <a:extLst>
+              <a:ext uri="{FF2B5EF4-FFF2-40B4-BE49-F238E27FC236}">
+                <a16:creationId xmlns:a16="http://schemas.microsoft.com/office/drawing/2014/main" id="{7FCD6F1E-E0C2-887B-03D4-5A3BB63D118F}"/>
+              </a:ext>
+            </a:extLst>
+          </p:cNvPr>
+          <p:cNvSpPr>
+            <a:spLocks noGrp="1"/>
+          </p:cNvSpPr>
+          <p:nvPr>
+            <p:ph idx="1"/>
+          </p:nvPr>
+        </p:nvSpPr>
+        <p:spPr>
+          <a:xfrm>
+            <a:off x="442453" y="1828800"/>
+            <a:ext cx="10176386" cy="4351337"/>
+          </a:xfrm>
+        </p:spPr>
+        <p:txBody>
+          <a:bodyPr/>
+          <a:lstStyle/>
+          <a:p>
+            <a:r>
+              <a:rPr lang="en-US" dirty="0"/>
+              <a:t>The data suffered a severe imbalance along the TARGET values</a:t>
+            </a:r>
+          </a:p>
+          <a:p>
+            <a:r>
+              <a:rPr lang="en-US" dirty="0"/>
+              <a:t>The SMOTE technique was used to balance the data and add more samples to 1’s</a:t>
+            </a:r>
+          </a:p>
+          <a:p>
+            <a:endParaRPr lang="en-US" dirty="0"/>
+          </a:p>
+        </p:txBody>
+      </p:sp>
+      <p:graphicFrame>
+        <p:nvGraphicFramePr>
+          <p:cNvPr id="4" name="Table 3">
+            <a:extLst>
+              <a:ext uri="{FF2B5EF4-FFF2-40B4-BE49-F238E27FC236}">
+                <a16:creationId xmlns:a16="http://schemas.microsoft.com/office/drawing/2014/main" id="{C89A189C-7ABB-CBB0-6AA6-81209CCAB391}"/>
+              </a:ext>
+            </a:extLst>
+          </p:cNvPr>
+          <p:cNvGraphicFramePr>
+            <a:graphicFrameLocks noGrp="1"/>
+          </p:cNvGraphicFramePr>
+          <p:nvPr>
+            <p:extLst>
+              <p:ext uri="{D42A27DB-BD31-4B8C-83A1-F6EECF244321}">
+                <p14:modId xmlns:p14="http://schemas.microsoft.com/office/powerpoint/2010/main" val="478930386"/>
+              </p:ext>
+            </p:extLst>
+          </p:nvPr>
+        </p:nvGraphicFramePr>
+        <p:xfrm>
+          <a:off x="979390" y="2779282"/>
+          <a:ext cx="8373741" cy="1625063"/>
+        </p:xfrm>
+        <a:graphic>
+          <a:graphicData uri="http://schemas.openxmlformats.org/drawingml/2006/table">
+            <a:tbl>
+              <a:tblPr firstRow="1" bandRow="1">
+                <a:tableStyleId>{5C22544A-7EE6-4342-B048-85BDC9FD1C3A}</a:tableStyleId>
+              </a:tblPr>
+              <a:tblGrid>
+                <a:gridCol w="2791247">
+                  <a:extLst>
+                    <a:ext uri="{9D8B030D-6E8A-4147-A177-3AD203B41FA5}">
+                      <a16:colId xmlns:a16="http://schemas.microsoft.com/office/drawing/2014/main" val="2623884977"/>
+                    </a:ext>
+                  </a:extLst>
+                </a:gridCol>
+                <a:gridCol w="2791247">
+                  <a:extLst>
+                    <a:ext uri="{9D8B030D-6E8A-4147-A177-3AD203B41FA5}">
+                      <a16:colId xmlns:a16="http://schemas.microsoft.com/office/drawing/2014/main" val="352943405"/>
+                    </a:ext>
+                  </a:extLst>
+                </a:gridCol>
+                <a:gridCol w="2791247">
+                  <a:extLst>
+                    <a:ext uri="{9D8B030D-6E8A-4147-A177-3AD203B41FA5}">
+                      <a16:colId xmlns:a16="http://schemas.microsoft.com/office/drawing/2014/main" val="1830406000"/>
+                    </a:ext>
+                  </a:extLst>
+                </a:gridCol>
+              </a:tblGrid>
+              <a:tr h="745390">
+                <a:tc>
+                  <a:txBody>
+                    <a:bodyPr/>
+                    <a:lstStyle/>
+                    <a:p>
+                      <a:pPr marL="0" marR="0" algn="l">
+                        <a:lnSpc>
+                          <a:spcPct val="107000"/>
+                        </a:lnSpc>
+                        <a:spcBef>
+                          <a:spcPts val="0"/>
+                        </a:spcBef>
+                        <a:spcAft>
+                          <a:spcPts val="800"/>
+                        </a:spcAft>
+                        <a:tabLst>
+                          <a:tab pos="833120" algn="l"/>
+                        </a:tabLst>
+                      </a:pPr>
+                      <a:r>
+                        <a:rPr lang="en-US" sz="2000" kern="100" dirty="0" err="1">
+                          <a:solidFill>
+                            <a:schemeClr val="bg1"/>
+                          </a:solidFill>
+                          <a:effectLst/>
+                          <a:latin typeface="Calibri" panose="020F0502020204030204" pitchFamily="34" charset="0"/>
+                          <a:ea typeface="Calibri" panose="020F0502020204030204" pitchFamily="34" charset="0"/>
+                          <a:cs typeface="Arial" panose="020B0604020202020204" pitchFamily="34" charset="0"/>
+                        </a:rPr>
+                        <a:t>df_application_train</a:t>
+                      </a:r>
+                      <a:r>
+                        <a:rPr lang="en-US" sz="2000" kern="100" dirty="0">
+                          <a:solidFill>
+                            <a:schemeClr val="bg1"/>
+                          </a:solidFill>
+                          <a:effectLst/>
+                          <a:latin typeface="Calibri" panose="020F0502020204030204" pitchFamily="34" charset="0"/>
+                          <a:ea typeface="Calibri" panose="020F0502020204030204" pitchFamily="34" charset="0"/>
+                          <a:cs typeface="Arial" panose="020B0604020202020204" pitchFamily="34" charset="0"/>
+                        </a:rPr>
+                        <a:t> (total before SOMTE)</a:t>
+                      </a:r>
+                    </a:p>
+                  </a:txBody>
+                  <a:tcPr/>
+                </a:tc>
+                <a:tc>
+                  <a:txBody>
+                    <a:bodyPr/>
+                    <a:lstStyle/>
+                    <a:p>
+                      <a:pPr marL="0" marR="0" algn="l">
+                        <a:lnSpc>
+                          <a:spcPct val="107000"/>
+                        </a:lnSpc>
+                        <a:spcBef>
+                          <a:spcPts val="0"/>
+                        </a:spcBef>
+                        <a:spcAft>
+                          <a:spcPts val="800"/>
+                        </a:spcAft>
+                      </a:pPr>
+                      <a:r>
+                        <a:rPr lang="en-US" sz="2000" kern="100" dirty="0">
+                          <a:solidFill>
+                            <a:schemeClr val="bg1"/>
+                          </a:solidFill>
+                          <a:effectLst/>
+                          <a:latin typeface="Consolas" panose="020B0609020204030204" pitchFamily="49" charset="0"/>
+                          <a:ea typeface="Calibri" panose="020F0502020204030204" pitchFamily="34" charset="0"/>
+                          <a:cs typeface="Arial" panose="020B0604020202020204" pitchFamily="34" charset="0"/>
+                        </a:rPr>
+                        <a:t>304531</a:t>
+                      </a:r>
+                      <a:endParaRPr lang="en-US" sz="2000" kern="100" dirty="0">
+                        <a:solidFill>
+                          <a:schemeClr val="bg1"/>
+                        </a:solidFill>
+                        <a:effectLst/>
+                        <a:latin typeface="Calibri" panose="020F0502020204030204" pitchFamily="34" charset="0"/>
+                        <a:ea typeface="Calibri" panose="020F0502020204030204" pitchFamily="34" charset="0"/>
+                        <a:cs typeface="Arial" panose="020B0604020202020204" pitchFamily="34" charset="0"/>
+                      </a:endParaRPr>
+                    </a:p>
+                  </a:txBody>
+                  <a:tcPr/>
+                </a:tc>
+                <a:tc>
+                  <a:txBody>
+                    <a:bodyPr/>
+                    <a:lstStyle/>
+                    <a:p>
+                      <a:pPr marL="0" marR="0" algn="l">
+                        <a:lnSpc>
+                          <a:spcPct val="107000"/>
+                        </a:lnSpc>
+                        <a:spcBef>
+                          <a:spcPts val="0"/>
+                        </a:spcBef>
+                        <a:spcAft>
+                          <a:spcPts val="800"/>
+                        </a:spcAft>
+                      </a:pPr>
+                      <a:r>
+                        <a:rPr lang="en-US" sz="2000" kern="100" dirty="0">
+                          <a:solidFill>
+                            <a:schemeClr val="bg1"/>
+                          </a:solidFill>
+                          <a:effectLst/>
+                          <a:latin typeface="Calibri" panose="020F0502020204030204" pitchFamily="34" charset="0"/>
+                          <a:ea typeface="Calibri" panose="020F0502020204030204" pitchFamily="34" charset="0"/>
+                          <a:cs typeface="Arial" panose="020B0604020202020204" pitchFamily="34" charset="0"/>
+                        </a:rPr>
+                        <a:t>ROC score</a:t>
+                      </a:r>
+                    </a:p>
+                  </a:txBody>
+                  <a:tcPr/>
+                </a:tc>
+                <a:extLst>
+                  <a:ext uri="{0D108BD9-81ED-4DB2-BD59-A6C34878D82A}">
+                    <a16:rowId xmlns:a16="http://schemas.microsoft.com/office/drawing/2014/main" val="2491441099"/>
+                  </a:ext>
+                </a:extLst>
+              </a:tr>
+              <a:tr h="433686">
+                <a:tc>
+                  <a:txBody>
+                    <a:bodyPr/>
+                    <a:lstStyle/>
+                    <a:p>
+                      <a:pPr marL="0" marR="0" algn="l">
+                        <a:lnSpc>
+                          <a:spcPct val="107000"/>
+                        </a:lnSpc>
+                        <a:spcBef>
+                          <a:spcPts val="0"/>
+                        </a:spcBef>
+                        <a:spcAft>
+                          <a:spcPts val="800"/>
+                        </a:spcAft>
+                      </a:pPr>
+                      <a:r>
+                        <a:rPr lang="en-US" sz="2000" kern="0">
+                          <a:solidFill>
+                            <a:srgbClr val="000000"/>
+                          </a:solidFill>
+                          <a:effectLst/>
+                          <a:latin typeface="Consolas" panose="020B0609020204030204" pitchFamily="49" charset="0"/>
+                          <a:ea typeface="Times New Roman" panose="02020603050405020304" pitchFamily="18" charset="0"/>
+                          <a:cs typeface="Times New Roman" panose="02020603050405020304" pitchFamily="18" charset="0"/>
+                        </a:rPr>
+                        <a:t>0    </a:t>
+                      </a:r>
+                      <a:endParaRPr lang="en-US" sz="2000" kern="100">
+                        <a:effectLst/>
+                        <a:latin typeface="Calibri" panose="020F0502020204030204" pitchFamily="34" charset="0"/>
+                        <a:ea typeface="Calibri" panose="020F0502020204030204" pitchFamily="34" charset="0"/>
+                        <a:cs typeface="Arial" panose="020B0604020202020204" pitchFamily="34" charset="0"/>
+                      </a:endParaRPr>
+                    </a:p>
+                  </a:txBody>
+                  <a:tcPr/>
+                </a:tc>
+                <a:tc>
+                  <a:txBody>
+                    <a:bodyPr/>
+                    <a:lstStyle/>
+                    <a:p>
+                      <a:pPr marL="0" marR="0" algn="l">
+                        <a:lnSpc>
+                          <a:spcPct val="107000"/>
+                        </a:lnSpc>
+                        <a:spcBef>
+                          <a:spcPts val="0"/>
+                        </a:spcBef>
+                        <a:spcAft>
+                          <a:spcPts val="0"/>
+                        </a:spcAft>
+                      </a:pPr>
+                      <a:r>
+                        <a:rPr lang="en-US" sz="2000" kern="0" dirty="0">
+                          <a:solidFill>
+                            <a:srgbClr val="000000"/>
+                          </a:solidFill>
+                          <a:effectLst/>
+                          <a:latin typeface="Consolas" panose="020B0609020204030204" pitchFamily="49" charset="0"/>
+                          <a:ea typeface="Times New Roman" panose="02020603050405020304" pitchFamily="18" charset="0"/>
+                          <a:cs typeface="Times New Roman" panose="02020603050405020304" pitchFamily="18" charset="0"/>
+                        </a:rPr>
+                        <a:t>279864</a:t>
+                      </a:r>
+                      <a:endParaRPr lang="en-US" sz="2000" kern="100" dirty="0">
+                        <a:effectLst/>
+                        <a:latin typeface="Calibri" panose="020F0502020204030204" pitchFamily="34" charset="0"/>
+                        <a:ea typeface="Calibri" panose="020F0502020204030204" pitchFamily="34" charset="0"/>
+                        <a:cs typeface="Arial" panose="020B0604020202020204" pitchFamily="34" charset="0"/>
+                      </a:endParaRPr>
+                    </a:p>
+                  </a:txBody>
+                  <a:tcPr/>
+                </a:tc>
+                <a:tc rowSpan="2">
+                  <a:txBody>
+                    <a:bodyPr/>
+                    <a:lstStyle/>
+                    <a:p>
+                      <a:pPr marL="0" marR="0" algn="l">
+                        <a:lnSpc>
+                          <a:spcPct val="107000"/>
+                        </a:lnSpc>
+                        <a:spcBef>
+                          <a:spcPts val="0"/>
+                        </a:spcBef>
+                        <a:spcAft>
+                          <a:spcPts val="0"/>
+                        </a:spcAft>
+                      </a:pPr>
+                      <a:r>
+                        <a:rPr lang="en-US" sz="2000" kern="100" dirty="0">
+                          <a:effectLst/>
+                          <a:latin typeface="Calibri" panose="020F0502020204030204" pitchFamily="34" charset="0"/>
+                          <a:ea typeface="Calibri" panose="020F0502020204030204" pitchFamily="34" charset="0"/>
+                          <a:cs typeface="Arial" panose="020B0604020202020204" pitchFamily="34" charset="0"/>
+                        </a:rPr>
+                        <a:t>51%</a:t>
+                      </a:r>
+                    </a:p>
+                  </a:txBody>
+                  <a:tcPr/>
+                </a:tc>
+                <a:extLst>
+                  <a:ext uri="{0D108BD9-81ED-4DB2-BD59-A6C34878D82A}">
+                    <a16:rowId xmlns:a16="http://schemas.microsoft.com/office/drawing/2014/main" val="931611119"/>
+                  </a:ext>
+                </a:extLst>
+              </a:tr>
+              <a:tr h="445987">
+                <a:tc>
+                  <a:txBody>
+                    <a:bodyPr/>
+                    <a:lstStyle/>
+                    <a:p>
+                      <a:pPr marL="0" marR="0" algn="l">
+                        <a:lnSpc>
+                          <a:spcPct val="107000"/>
+                        </a:lnSpc>
+                        <a:spcBef>
+                          <a:spcPts val="0"/>
+                        </a:spcBef>
+                        <a:spcAft>
+                          <a:spcPts val="800"/>
+                        </a:spcAft>
+                      </a:pPr>
+                      <a:r>
+                        <a:rPr lang="en-US" sz="2000" kern="100">
+                          <a:solidFill>
+                            <a:srgbClr val="000000"/>
+                          </a:solidFill>
+                          <a:effectLst/>
+                          <a:latin typeface="Calibri" panose="020F0502020204030204" pitchFamily="34" charset="0"/>
+                          <a:ea typeface="Calibri" panose="020F0502020204030204" pitchFamily="34" charset="0"/>
+                          <a:cs typeface="Arial" panose="020B0604020202020204" pitchFamily="34" charset="0"/>
+                        </a:rPr>
+                        <a:t>1</a:t>
+                      </a:r>
+                      <a:endParaRPr lang="en-US" sz="2000" kern="100">
+                        <a:effectLst/>
+                        <a:latin typeface="Calibri" panose="020F0502020204030204" pitchFamily="34" charset="0"/>
+                        <a:ea typeface="Calibri" panose="020F0502020204030204" pitchFamily="34" charset="0"/>
+                        <a:cs typeface="Arial" panose="020B0604020202020204" pitchFamily="34" charset="0"/>
+                      </a:endParaRPr>
+                    </a:p>
+                  </a:txBody>
+                  <a:tcPr/>
+                </a:tc>
+                <a:tc>
+                  <a:txBody>
+                    <a:bodyPr/>
+                    <a:lstStyle/>
+                    <a:p>
+                      <a:pPr marL="0" marR="0" algn="l">
+                        <a:lnSpc>
+                          <a:spcPct val="107000"/>
+                        </a:lnSpc>
+                        <a:spcBef>
+                          <a:spcPts val="0"/>
+                        </a:spcBef>
+                        <a:spcAft>
+                          <a:spcPts val="800"/>
+                        </a:spcAft>
+                      </a:pPr>
+                      <a:r>
+                        <a:rPr lang="en-US" sz="2000" kern="0" dirty="0">
+                          <a:solidFill>
+                            <a:srgbClr val="000000"/>
+                          </a:solidFill>
+                          <a:effectLst/>
+                          <a:latin typeface="Consolas" panose="020B0609020204030204" pitchFamily="49" charset="0"/>
+                          <a:ea typeface="Times New Roman" panose="02020603050405020304" pitchFamily="18" charset="0"/>
+                          <a:cs typeface="Times New Roman" panose="02020603050405020304" pitchFamily="18" charset="0"/>
+                        </a:rPr>
+                        <a:t>24667</a:t>
+                      </a:r>
+                      <a:endParaRPr lang="en-US" sz="2000" kern="100" dirty="0">
+                        <a:effectLst/>
+                        <a:latin typeface="Calibri" panose="020F0502020204030204" pitchFamily="34" charset="0"/>
+                        <a:ea typeface="Calibri" panose="020F0502020204030204" pitchFamily="34" charset="0"/>
+                        <a:cs typeface="Arial" panose="020B0604020202020204" pitchFamily="34" charset="0"/>
+                      </a:endParaRPr>
+                    </a:p>
+                  </a:txBody>
+                  <a:tcPr/>
+                </a:tc>
+                <a:tc vMerge="1">
+                  <a:txBody>
+                    <a:bodyPr/>
+                    <a:lstStyle/>
+                    <a:p>
+                      <a:pPr marL="0" marR="0" algn="l">
+                        <a:lnSpc>
+                          <a:spcPct val="107000"/>
+                        </a:lnSpc>
+                        <a:spcBef>
+                          <a:spcPts val="0"/>
+                        </a:spcBef>
+                        <a:spcAft>
+                          <a:spcPts val="800"/>
+                        </a:spcAft>
+                      </a:pPr>
+                      <a:endParaRPr lang="en-US" sz="2000" kern="100" dirty="0">
+                        <a:effectLst/>
+                        <a:latin typeface="Calibri" panose="020F0502020204030204" pitchFamily="34" charset="0"/>
+                        <a:ea typeface="Calibri" panose="020F0502020204030204" pitchFamily="34" charset="0"/>
+                        <a:cs typeface="Arial" panose="020B0604020202020204" pitchFamily="34" charset="0"/>
+                      </a:endParaRPr>
+                    </a:p>
+                  </a:txBody>
+                  <a:tcPr/>
+                </a:tc>
+                <a:extLst>
+                  <a:ext uri="{0D108BD9-81ED-4DB2-BD59-A6C34878D82A}">
+                    <a16:rowId xmlns:a16="http://schemas.microsoft.com/office/drawing/2014/main" val="589149103"/>
+                  </a:ext>
+                </a:extLst>
+              </a:tr>
+            </a:tbl>
+          </a:graphicData>
+        </a:graphic>
+      </p:graphicFrame>
+      <p:graphicFrame>
+        <p:nvGraphicFramePr>
+          <p:cNvPr id="7" name="Table 6">
+            <a:extLst>
+              <a:ext uri="{FF2B5EF4-FFF2-40B4-BE49-F238E27FC236}">
+                <a16:creationId xmlns:a16="http://schemas.microsoft.com/office/drawing/2014/main" id="{01446D6F-4625-4FF1-F374-3D20F336F3FE}"/>
+              </a:ext>
+            </a:extLst>
+          </p:cNvPr>
+          <p:cNvGraphicFramePr>
+            <a:graphicFrameLocks noGrp="1"/>
+          </p:cNvGraphicFramePr>
+          <p:nvPr>
+            <p:extLst>
+              <p:ext uri="{D42A27DB-BD31-4B8C-83A1-F6EECF244321}">
+                <p14:modId xmlns:p14="http://schemas.microsoft.com/office/powerpoint/2010/main" val="4229376638"/>
+              </p:ext>
+            </p:extLst>
+          </p:nvPr>
+        </p:nvGraphicFramePr>
+        <p:xfrm>
+          <a:off x="979390" y="4541823"/>
+          <a:ext cx="8373741" cy="1775792"/>
+        </p:xfrm>
+        <a:graphic>
+          <a:graphicData uri="http://schemas.openxmlformats.org/drawingml/2006/table">
+            <a:tbl>
+              <a:tblPr firstRow="1" bandRow="1">
+                <a:tableStyleId>{5C22544A-7EE6-4342-B048-85BDC9FD1C3A}</a:tableStyleId>
+              </a:tblPr>
+              <a:tblGrid>
+                <a:gridCol w="2791247">
+                  <a:extLst>
+                    <a:ext uri="{9D8B030D-6E8A-4147-A177-3AD203B41FA5}">
+                      <a16:colId xmlns:a16="http://schemas.microsoft.com/office/drawing/2014/main" val="2623884977"/>
+                    </a:ext>
+                  </a:extLst>
+                </a:gridCol>
+                <a:gridCol w="2791247">
+                  <a:extLst>
+                    <a:ext uri="{9D8B030D-6E8A-4147-A177-3AD203B41FA5}">
+                      <a16:colId xmlns:a16="http://schemas.microsoft.com/office/drawing/2014/main" val="352943405"/>
+                    </a:ext>
+                  </a:extLst>
+                </a:gridCol>
+                <a:gridCol w="2791247">
+                  <a:extLst>
+                    <a:ext uri="{9D8B030D-6E8A-4147-A177-3AD203B41FA5}">
+                      <a16:colId xmlns:a16="http://schemas.microsoft.com/office/drawing/2014/main" val="1617048765"/>
+                    </a:ext>
+                  </a:extLst>
+                </a:gridCol>
+              </a:tblGrid>
+              <a:tr h="969977">
+                <a:tc>
+                  <a:txBody>
+                    <a:bodyPr/>
+                    <a:lstStyle/>
+                    <a:p>
+                      <a:pPr marL="0" marR="0" algn="l">
+                        <a:lnSpc>
+                          <a:spcPct val="107000"/>
+                        </a:lnSpc>
+                        <a:spcBef>
+                          <a:spcPts val="0"/>
+                        </a:spcBef>
+                        <a:spcAft>
+                          <a:spcPts val="800"/>
+                        </a:spcAft>
+                        <a:tabLst>
+                          <a:tab pos="833120" algn="l"/>
+                        </a:tabLst>
+                      </a:pPr>
+                      <a:r>
+                        <a:rPr lang="en-US" sz="2000" kern="100" dirty="0" err="1">
+                          <a:solidFill>
+                            <a:schemeClr val="bg1"/>
+                          </a:solidFill>
+                          <a:effectLst/>
+                          <a:latin typeface="Calibri" panose="020F0502020204030204" pitchFamily="34" charset="0"/>
+                          <a:ea typeface="Calibri" panose="020F0502020204030204" pitchFamily="34" charset="0"/>
+                          <a:cs typeface="Arial" panose="020B0604020202020204" pitchFamily="34" charset="0"/>
+                        </a:rPr>
+                        <a:t>df_application_train</a:t>
+                      </a:r>
+                      <a:r>
+                        <a:rPr lang="en-US" sz="2000" kern="100" dirty="0">
+                          <a:solidFill>
+                            <a:schemeClr val="bg1"/>
+                          </a:solidFill>
+                          <a:effectLst/>
+                          <a:latin typeface="Calibri" panose="020F0502020204030204" pitchFamily="34" charset="0"/>
+                          <a:ea typeface="Calibri" panose="020F0502020204030204" pitchFamily="34" charset="0"/>
+                          <a:cs typeface="Arial" panose="020B0604020202020204" pitchFamily="34" charset="0"/>
+                        </a:rPr>
+                        <a:t> (total after SMOTE)</a:t>
+                      </a:r>
+                    </a:p>
+                  </a:txBody>
+                  <a:tcPr/>
+                </a:tc>
+                <a:tc>
+                  <a:txBody>
+                    <a:bodyPr/>
+                    <a:lstStyle/>
+                    <a:p>
+                      <a:pPr marL="0" marR="0" algn="l">
+                        <a:lnSpc>
+                          <a:spcPct val="107000"/>
+                        </a:lnSpc>
+                        <a:spcBef>
+                          <a:spcPts val="0"/>
+                        </a:spcBef>
+                        <a:spcAft>
+                          <a:spcPts val="800"/>
+                        </a:spcAft>
+                      </a:pPr>
+                      <a:r>
+                        <a:rPr lang="en-US" sz="2000" kern="100" dirty="0">
+                          <a:solidFill>
+                            <a:schemeClr val="bg1"/>
+                          </a:solidFill>
+                          <a:effectLst/>
+                          <a:latin typeface="Consolas" panose="020B0609020204030204" pitchFamily="49" charset="0"/>
+                          <a:ea typeface="Calibri" panose="020F0502020204030204" pitchFamily="34" charset="0"/>
+                          <a:cs typeface="Arial" panose="020B0604020202020204" pitchFamily="34" charset="0"/>
+                        </a:rPr>
+                        <a:t>304531</a:t>
+                      </a:r>
+                      <a:endParaRPr lang="en-US" sz="2000" kern="100" dirty="0">
+                        <a:solidFill>
+                          <a:schemeClr val="bg1"/>
+                        </a:solidFill>
+                        <a:effectLst/>
+                        <a:latin typeface="Calibri" panose="020F0502020204030204" pitchFamily="34" charset="0"/>
+                        <a:ea typeface="Calibri" panose="020F0502020204030204" pitchFamily="34" charset="0"/>
+                        <a:cs typeface="Arial" panose="020B0604020202020204" pitchFamily="34" charset="0"/>
+                      </a:endParaRPr>
+                    </a:p>
+                  </a:txBody>
+                  <a:tcPr/>
+                </a:tc>
+                <a:tc>
+                  <a:txBody>
+                    <a:bodyPr/>
+                    <a:lstStyle/>
+                    <a:p>
+                      <a:pPr marL="0" marR="0" lvl="0" indent="0" algn="l" defTabSz="914400" rtl="0" eaLnBrk="1" fontAlgn="auto" latinLnBrk="0" hangingPunct="1">
+                        <a:lnSpc>
+                          <a:spcPct val="107000"/>
+                        </a:lnSpc>
+                        <a:spcBef>
+                          <a:spcPts val="0"/>
+                        </a:spcBef>
+                        <a:spcAft>
+                          <a:spcPts val="800"/>
+                        </a:spcAft>
+                        <a:buClrTx/>
+                        <a:buSzTx/>
+                        <a:buFontTx/>
+                        <a:buNone/>
+                        <a:tabLst/>
+                        <a:defRPr/>
+                      </a:pPr>
+                      <a:r>
+                        <a:rPr lang="en-US" sz="2000" kern="100" dirty="0">
+                          <a:solidFill>
+                            <a:schemeClr val="bg1"/>
+                          </a:solidFill>
+                          <a:effectLst/>
+                          <a:latin typeface="Calibri" panose="020F0502020204030204" pitchFamily="34" charset="0"/>
+                          <a:ea typeface="Calibri" panose="020F0502020204030204" pitchFamily="34" charset="0"/>
+                          <a:cs typeface="Arial" panose="020B0604020202020204" pitchFamily="34" charset="0"/>
+                        </a:rPr>
+                        <a:t>ROC score</a:t>
+                      </a:r>
+                    </a:p>
+                  </a:txBody>
+                  <a:tcPr/>
+                </a:tc>
+                <a:extLst>
+                  <a:ext uri="{0D108BD9-81ED-4DB2-BD59-A6C34878D82A}">
+                    <a16:rowId xmlns:a16="http://schemas.microsoft.com/office/drawing/2014/main" val="2491441099"/>
+                  </a:ext>
+                </a:extLst>
+              </a:tr>
+              <a:tr h="363592">
+                <a:tc>
+                  <a:txBody>
+                    <a:bodyPr/>
+                    <a:lstStyle/>
+                    <a:p>
+                      <a:pPr marL="0" marR="0" algn="l">
+                        <a:lnSpc>
+                          <a:spcPct val="107000"/>
+                        </a:lnSpc>
+                        <a:spcBef>
+                          <a:spcPts val="0"/>
+                        </a:spcBef>
+                        <a:spcAft>
+                          <a:spcPts val="800"/>
+                        </a:spcAft>
+                      </a:pPr>
+                      <a:r>
+                        <a:rPr lang="en-US" sz="2000" kern="0" dirty="0">
+                          <a:solidFill>
+                            <a:srgbClr val="000000"/>
+                          </a:solidFill>
+                          <a:effectLst/>
+                          <a:latin typeface="Consolas" panose="020B0609020204030204" pitchFamily="49" charset="0"/>
+                          <a:ea typeface="Times New Roman" panose="02020603050405020304" pitchFamily="18" charset="0"/>
+                          <a:cs typeface="Times New Roman" panose="02020603050405020304" pitchFamily="18" charset="0"/>
+                        </a:rPr>
+                        <a:t>0    </a:t>
+                      </a:r>
+                      <a:endParaRPr lang="en-US" sz="2000" kern="100" dirty="0">
+                        <a:effectLst/>
+                        <a:latin typeface="Calibri" panose="020F0502020204030204" pitchFamily="34" charset="0"/>
+                        <a:ea typeface="Calibri" panose="020F0502020204030204" pitchFamily="34" charset="0"/>
+                        <a:cs typeface="Arial" panose="020B0604020202020204" pitchFamily="34" charset="0"/>
+                      </a:endParaRPr>
+                    </a:p>
+                  </a:txBody>
+                  <a:tcPr/>
+                </a:tc>
+                <a:tc>
+                  <a:txBody>
+                    <a:bodyPr/>
+                    <a:lstStyle/>
+                    <a:p>
+                      <a:pPr marL="0" marR="0" algn="l">
+                        <a:lnSpc>
+                          <a:spcPct val="107000"/>
+                        </a:lnSpc>
+                        <a:spcBef>
+                          <a:spcPts val="0"/>
+                        </a:spcBef>
+                        <a:spcAft>
+                          <a:spcPts val="0"/>
+                        </a:spcAft>
+                      </a:pPr>
+                      <a:r>
+                        <a:rPr lang="en-US" sz="2000" kern="0" dirty="0">
+                          <a:solidFill>
+                            <a:srgbClr val="000000"/>
+                          </a:solidFill>
+                          <a:effectLst/>
+                          <a:latin typeface="Consolas" panose="020B0609020204030204" pitchFamily="49" charset="0"/>
+                          <a:ea typeface="Times New Roman" panose="02020603050405020304" pitchFamily="18" charset="0"/>
+                          <a:cs typeface="Times New Roman" panose="02020603050405020304" pitchFamily="18" charset="0"/>
+                        </a:rPr>
+                        <a:t>279864</a:t>
+                      </a:r>
+                      <a:endParaRPr lang="en-US" sz="2000" kern="100" dirty="0">
+                        <a:effectLst/>
+                        <a:latin typeface="Calibri" panose="020F0502020204030204" pitchFamily="34" charset="0"/>
+                        <a:ea typeface="Calibri" panose="020F0502020204030204" pitchFamily="34" charset="0"/>
+                        <a:cs typeface="Arial" panose="020B0604020202020204" pitchFamily="34" charset="0"/>
+                      </a:endParaRPr>
+                    </a:p>
+                  </a:txBody>
+                  <a:tcPr/>
+                </a:tc>
+                <a:tc rowSpan="2">
+                  <a:txBody>
+                    <a:bodyPr/>
+                    <a:lstStyle/>
+                    <a:p>
+                      <a:pPr marL="0" marR="0" algn="l">
+                        <a:lnSpc>
+                          <a:spcPct val="107000"/>
+                        </a:lnSpc>
+                        <a:spcBef>
+                          <a:spcPts val="0"/>
+                        </a:spcBef>
+                        <a:spcAft>
+                          <a:spcPts val="0"/>
+                        </a:spcAft>
+                      </a:pPr>
+                      <a:r>
+                        <a:rPr lang="en-US" sz="2000" kern="100" dirty="0">
+                          <a:effectLst/>
+                          <a:latin typeface="Calibri" panose="020F0502020204030204" pitchFamily="34" charset="0"/>
+                          <a:ea typeface="Calibri" panose="020F0502020204030204" pitchFamily="34" charset="0"/>
+                          <a:cs typeface="Arial" panose="020B0604020202020204" pitchFamily="34" charset="0"/>
+                        </a:rPr>
+                        <a:t>91%</a:t>
+                      </a:r>
+                    </a:p>
+                  </a:txBody>
+                  <a:tcPr/>
+                </a:tc>
+                <a:extLst>
+                  <a:ext uri="{0D108BD9-81ED-4DB2-BD59-A6C34878D82A}">
+                    <a16:rowId xmlns:a16="http://schemas.microsoft.com/office/drawing/2014/main" val="931611119"/>
+                  </a:ext>
+                </a:extLst>
+              </a:tr>
+              <a:tr h="373905">
+                <a:tc>
+                  <a:txBody>
+                    <a:bodyPr/>
+                    <a:lstStyle/>
+                    <a:p>
+                      <a:pPr marL="0" marR="0" algn="l">
+                        <a:lnSpc>
+                          <a:spcPct val="107000"/>
+                        </a:lnSpc>
+                        <a:spcBef>
+                          <a:spcPts val="0"/>
+                        </a:spcBef>
+                        <a:spcAft>
+                          <a:spcPts val="800"/>
+                        </a:spcAft>
+                      </a:pPr>
+                      <a:r>
+                        <a:rPr lang="en-US" sz="2000" kern="100">
+                          <a:solidFill>
+                            <a:srgbClr val="000000"/>
+                          </a:solidFill>
+                          <a:effectLst/>
+                          <a:latin typeface="Calibri" panose="020F0502020204030204" pitchFamily="34" charset="0"/>
+                          <a:ea typeface="Calibri" panose="020F0502020204030204" pitchFamily="34" charset="0"/>
+                          <a:cs typeface="Arial" panose="020B0604020202020204" pitchFamily="34" charset="0"/>
+                        </a:rPr>
+                        <a:t>1</a:t>
+                      </a:r>
+                      <a:endParaRPr lang="en-US" sz="2000" kern="100">
+                        <a:effectLst/>
+                        <a:latin typeface="Calibri" panose="020F0502020204030204" pitchFamily="34" charset="0"/>
+                        <a:ea typeface="Calibri" panose="020F0502020204030204" pitchFamily="34" charset="0"/>
+                        <a:cs typeface="Arial" panose="020B0604020202020204" pitchFamily="34" charset="0"/>
+                      </a:endParaRPr>
+                    </a:p>
+                  </a:txBody>
+                  <a:tcPr/>
+                </a:tc>
+                <a:tc>
+                  <a:txBody>
+                    <a:bodyPr/>
+                    <a:lstStyle/>
+                    <a:p>
+                      <a:pPr marL="0" marR="0" algn="l">
+                        <a:lnSpc>
+                          <a:spcPct val="107000"/>
+                        </a:lnSpc>
+                        <a:spcBef>
+                          <a:spcPts val="0"/>
+                        </a:spcBef>
+                        <a:spcAft>
+                          <a:spcPts val="800"/>
+                        </a:spcAft>
+                      </a:pPr>
+                      <a:r>
+                        <a:rPr lang="en-US" sz="2000" kern="100" dirty="0">
+                          <a:solidFill>
+                            <a:srgbClr val="FF0000"/>
+                          </a:solidFill>
+                          <a:effectLst/>
+                          <a:latin typeface="Consolas" panose="020B0609020204030204" pitchFamily="49" charset="0"/>
+                          <a:ea typeface="Calibri" panose="020F0502020204030204" pitchFamily="34" charset="0"/>
+                          <a:cs typeface="Arial" panose="020B0604020202020204" pitchFamily="34" charset="0"/>
+                        </a:rPr>
+                        <a:t>139932</a:t>
+                      </a:r>
+                      <a:endParaRPr lang="en-US" sz="2000" kern="100" dirty="0">
+                        <a:effectLst/>
+                        <a:latin typeface="Calibri" panose="020F0502020204030204" pitchFamily="34" charset="0"/>
+                        <a:ea typeface="Calibri" panose="020F0502020204030204" pitchFamily="34" charset="0"/>
+                        <a:cs typeface="Arial" panose="020B0604020202020204" pitchFamily="34" charset="0"/>
+                      </a:endParaRPr>
+                    </a:p>
+                  </a:txBody>
+                  <a:tcPr/>
+                </a:tc>
+                <a:tc vMerge="1">
+                  <a:txBody>
+                    <a:bodyPr/>
+                    <a:lstStyle/>
+                    <a:p>
+                      <a:pPr marL="0" marR="0" algn="l">
+                        <a:lnSpc>
+                          <a:spcPct val="107000"/>
+                        </a:lnSpc>
+                        <a:spcBef>
+                          <a:spcPts val="0"/>
+                        </a:spcBef>
+                        <a:spcAft>
+                          <a:spcPts val="800"/>
+                        </a:spcAft>
+                      </a:pPr>
+                      <a:endParaRPr lang="en-US" sz="2000" kern="100" dirty="0">
+                        <a:effectLst/>
+                        <a:latin typeface="Calibri" panose="020F0502020204030204" pitchFamily="34" charset="0"/>
+                        <a:ea typeface="Calibri" panose="020F0502020204030204" pitchFamily="34" charset="0"/>
+                        <a:cs typeface="Arial" panose="020B0604020202020204" pitchFamily="34" charset="0"/>
+                      </a:endParaRPr>
+                    </a:p>
+                  </a:txBody>
+                  <a:tcPr/>
+                </a:tc>
+                <a:extLst>
+                  <a:ext uri="{0D108BD9-81ED-4DB2-BD59-A6C34878D82A}">
+                    <a16:rowId xmlns:a16="http://schemas.microsoft.com/office/drawing/2014/main" val="589149103"/>
+                  </a:ext>
+                </a:extLst>
+              </a:tr>
+            </a:tbl>
+          </a:graphicData>
+        </a:graphic>
+      </p:graphicFrame>
+    </p:spTree>
+    <p:extLst>
+      <p:ext uri="{BB962C8B-B14F-4D97-AF65-F5344CB8AC3E}">
+        <p14:creationId xmlns:p14="http://schemas.microsoft.com/office/powerpoint/2010/main" val="2337202842"/>
+      </p:ext>
+    </p:extLst>
+  </p:cSld>
+  <p:clrMapOvr>
+    <a:masterClrMapping/>
+  </p:clrMapOvr>
+</p:sld>
+</file>
+
+<file path=ppt/slides/slide5.xml><?xml version="1.0" encoding="utf-8"?>
+<p:sld xmlns:a="http://schemas.openxmlformats.org/drawingml/2006/main" xmlns:r="http://schemas.openxmlformats.org/officeDocument/2006/relationships" xmlns:p="http://schemas.openxmlformats.org/presentationml/2006/main">
+  <p:cSld>
+    <p:spTree>
+      <p:nvGrpSpPr>
+        <p:cNvPr id="1" name=""/>
+        <p:cNvGrpSpPr/>
+        <p:nvPr/>
+      </p:nvGrpSpPr>
+      <p:grpSpPr>
+        <a:xfrm>
+          <a:off x="0" y="0"/>
+          <a:ext cx="0" cy="0"/>
+          <a:chOff x="0" y="0"/>
+          <a:chExt cx="0" cy="0"/>
+        </a:xfrm>
+      </p:grpSpPr>
+      <p:sp>
+        <p:nvSpPr>
+          <p:cNvPr id="2" name="Title 1">
+            <a:extLst>
+              <a:ext uri="{FF2B5EF4-FFF2-40B4-BE49-F238E27FC236}">
+                <a16:creationId xmlns:a16="http://schemas.microsoft.com/office/drawing/2014/main" id="{9D122FC9-6302-08E9-7BEA-5B7AE3C831AF}"/>
+              </a:ext>
+            </a:extLst>
+          </p:cNvPr>
+          <p:cNvSpPr>
+            <a:spLocks noGrp="1"/>
+          </p:cNvSpPr>
+          <p:nvPr>
+            <p:ph type="title"/>
+          </p:nvPr>
+        </p:nvSpPr>
+        <p:spPr/>
+        <p:txBody>
+          <a:bodyPr/>
+          <a:lstStyle/>
+          <a:p>
+            <a:r>
+              <a:rPr lang="en-US" dirty="0">
+                <a:solidFill>
+                  <a:srgbClr val="FF0000"/>
+                </a:solidFill>
+              </a:rPr>
+              <a:t>Feature Selection</a:t>
+            </a:r>
+          </a:p>
+        </p:txBody>
+      </p:sp>
+      <p:sp>
+        <p:nvSpPr>
+          <p:cNvPr id="3" name="Content Placeholder 2">
+            <a:extLst>
+              <a:ext uri="{FF2B5EF4-FFF2-40B4-BE49-F238E27FC236}">
+                <a16:creationId xmlns:a16="http://schemas.microsoft.com/office/drawing/2014/main" id="{7FCD6F1E-E0C2-887B-03D4-5A3BB63D118F}"/>
+              </a:ext>
+            </a:extLst>
+          </p:cNvPr>
+          <p:cNvSpPr>
+            <a:spLocks noGrp="1"/>
+          </p:cNvSpPr>
+          <p:nvPr>
+            <p:ph idx="1"/>
+          </p:nvPr>
+        </p:nvSpPr>
+        <p:spPr/>
+        <p:txBody>
+          <a:bodyPr/>
+          <a:lstStyle/>
+          <a:p>
+            <a:r>
+              <a:rPr lang="en-US" dirty="0"/>
+              <a:t>Merging all the data files into one</a:t>
+            </a:r>
+          </a:p>
+          <a:p>
+            <a:pPr lvl="1"/>
+            <a:r>
+              <a:rPr lang="en-US" b="1" dirty="0"/>
+              <a:t>Rationale</a:t>
+            </a:r>
+            <a:r>
+              <a:rPr lang="en-US" dirty="0"/>
+              <a:t>: Making use of all provided data</a:t>
+            </a:r>
+          </a:p>
+          <a:p>
+            <a:pPr lvl="1"/>
+            <a:r>
+              <a:rPr lang="en-US" b="1" dirty="0"/>
+              <a:t>Result</a:t>
+            </a:r>
+            <a:r>
+              <a:rPr lang="en-US" dirty="0"/>
+              <a:t>: Inapplicable, due to the overwhelming consumption of RAM</a:t>
+            </a:r>
+          </a:p>
+          <a:p>
+            <a:pPr lvl="1"/>
+            <a:endParaRPr lang="en-US" dirty="0"/>
+          </a:p>
+          <a:p>
+            <a:r>
+              <a:rPr lang="en-US" dirty="0"/>
+              <a:t>Selecting the best features from `</a:t>
+            </a:r>
+            <a:r>
+              <a:rPr lang="en-US" dirty="0" err="1">
+                <a:solidFill>
+                  <a:srgbClr val="0070C0"/>
+                </a:solidFill>
+              </a:rPr>
+              <a:t>df_application_train</a:t>
+            </a:r>
+            <a:r>
+              <a:rPr lang="en-US" dirty="0"/>
+              <a:t>` using one of the feature selection techniques</a:t>
+            </a:r>
+          </a:p>
+          <a:p>
+            <a:pPr lvl="1"/>
+            <a:r>
+              <a:rPr lang="en-US" b="1" dirty="0"/>
+              <a:t>Rationale</a:t>
+            </a:r>
+            <a:r>
+              <a:rPr lang="en-US" dirty="0"/>
+              <a:t>: `</a:t>
+            </a:r>
+            <a:r>
+              <a:rPr lang="en-US" dirty="0" err="1">
+                <a:solidFill>
+                  <a:srgbClr val="0070C0"/>
+                </a:solidFill>
+              </a:rPr>
+              <a:t>df_application_train</a:t>
+            </a:r>
+            <a:r>
+              <a:rPr lang="en-US" dirty="0"/>
+              <a:t>` is the main table as stated in the competition’s overview</a:t>
+            </a:r>
+          </a:p>
+          <a:p>
+            <a:pPr lvl="1"/>
+            <a:r>
+              <a:rPr lang="en-US" b="1" dirty="0"/>
+              <a:t>Result</a:t>
+            </a:r>
+            <a:r>
+              <a:rPr lang="en-US" dirty="0"/>
+              <a:t>: when `</a:t>
+            </a:r>
+            <a:r>
+              <a:rPr lang="en-US" dirty="0" err="1">
+                <a:solidFill>
+                  <a:srgbClr val="0070C0"/>
+                </a:solidFill>
+              </a:rPr>
+              <a:t>df_application_train</a:t>
+            </a:r>
+            <a:r>
+              <a:rPr lang="en-US" dirty="0">
+                <a:solidFill>
+                  <a:srgbClr val="0070C0"/>
+                </a:solidFill>
+              </a:rPr>
+              <a:t>[</a:t>
+            </a:r>
+            <a:r>
+              <a:rPr lang="en-US" dirty="0" err="1">
+                <a:solidFill>
+                  <a:srgbClr val="0070C0"/>
+                </a:solidFill>
+              </a:rPr>
+              <a:t>selected_featues</a:t>
+            </a:r>
+            <a:r>
+              <a:rPr lang="en-US" dirty="0">
+                <a:solidFill>
+                  <a:srgbClr val="0070C0"/>
+                </a:solidFill>
+              </a:rPr>
+              <a:t>]</a:t>
+            </a:r>
+            <a:r>
+              <a:rPr lang="en-US" dirty="0"/>
+              <a:t>` was fed to a </a:t>
+            </a:r>
+            <a:r>
+              <a:rPr lang="en-US" dirty="0" err="1"/>
+              <a:t>RandomForest</a:t>
+            </a:r>
+            <a:r>
+              <a:rPr lang="en-US" dirty="0"/>
+              <a:t> model, the ROC score only reached 60% whereas the original data was to score 91%</a:t>
+            </a:r>
+            <a:endParaRPr lang="en-US" b="1" dirty="0"/>
+          </a:p>
+          <a:p>
+            <a:r>
+              <a:rPr lang="en-US" b="1" dirty="0"/>
+              <a:t>Conclusion: </a:t>
+            </a:r>
+            <a:r>
+              <a:rPr lang="en-US" dirty="0"/>
+              <a:t>Partitioning the data, selecting certain features, or applying filtration is not helpful, the data is better off as a whole</a:t>
+            </a:r>
+          </a:p>
+        </p:txBody>
+      </p:sp>
+    </p:spTree>
+    <p:extLst>
+      <p:ext uri="{BB962C8B-B14F-4D97-AF65-F5344CB8AC3E}">
+        <p14:creationId xmlns:p14="http://schemas.microsoft.com/office/powerpoint/2010/main" val="3730153756"/>
+      </p:ext>
+    </p:extLst>
+  </p:cSld>
+  <p:clrMapOvr>
+    <a:masterClrMapping/>
+  </p:clrMapOvr>
+</p:sld>
+</file>
+
+<file path=ppt/slides/slide6.xml><?xml version="1.0" encoding="utf-8"?>
+<p:sld xmlns:a="http://schemas.openxmlformats.org/drawingml/2006/main" xmlns:r="http://schemas.openxmlformats.org/officeDocument/2006/relationships" xmlns:p="http://schemas.openxmlformats.org/presentationml/2006/main">
+  <p:cSld>
+    <p:spTree>
+      <p:nvGrpSpPr>
+        <p:cNvPr id="1" name=""/>
+        <p:cNvGrpSpPr/>
+        <p:nvPr/>
+      </p:nvGrpSpPr>
+      <p:grpSpPr>
+        <a:xfrm>
+          <a:off x="0" y="0"/>
+          <a:ext cx="0" cy="0"/>
+          <a:chOff x="0" y="0"/>
+          <a:chExt cx="0" cy="0"/>
+        </a:xfrm>
+      </p:grpSpPr>
+      <p:sp>
+        <p:nvSpPr>
+          <p:cNvPr id="2" name="Title 1">
+            <a:extLst>
+              <a:ext uri="{FF2B5EF4-FFF2-40B4-BE49-F238E27FC236}">
+                <a16:creationId xmlns:a16="http://schemas.microsoft.com/office/drawing/2014/main" id="{9D122FC9-6302-08E9-7BEA-5B7AE3C831AF}"/>
+              </a:ext>
+            </a:extLst>
+          </p:cNvPr>
+          <p:cNvSpPr>
+            <a:spLocks noGrp="1"/>
+          </p:cNvSpPr>
+          <p:nvPr>
+            <p:ph type="title"/>
+          </p:nvPr>
+        </p:nvSpPr>
+        <p:spPr/>
+        <p:txBody>
+          <a:bodyPr/>
+          <a:lstStyle/>
+          <a:p>
+            <a:r>
+              <a:rPr lang="en-US" dirty="0">
+                <a:solidFill>
+                  <a:srgbClr val="FF0000"/>
+                </a:solidFill>
+              </a:rPr>
+              <a:t>Feature Selection</a:t>
+            </a:r>
+          </a:p>
+        </p:txBody>
+      </p:sp>
+      <p:sp>
+        <p:nvSpPr>
+          <p:cNvPr id="3" name="Content Placeholder 2">
+            <a:extLst>
+              <a:ext uri="{FF2B5EF4-FFF2-40B4-BE49-F238E27FC236}">
+                <a16:creationId xmlns:a16="http://schemas.microsoft.com/office/drawing/2014/main" id="{7FCD6F1E-E0C2-887B-03D4-5A3BB63D118F}"/>
+              </a:ext>
+            </a:extLst>
+          </p:cNvPr>
+          <p:cNvSpPr>
+            <a:spLocks noGrp="1"/>
+          </p:cNvSpPr>
+          <p:nvPr>
+            <p:ph idx="1"/>
+          </p:nvPr>
+        </p:nvSpPr>
+        <p:spPr/>
+        <p:txBody>
+          <a:bodyPr/>
+          <a:lstStyle/>
+          <a:p>
+            <a:r>
+              <a:rPr lang="en-US" dirty="0"/>
+              <a:t>Despite the conclusion, a newly data featuring the best features was constructed</a:t>
+            </a:r>
+          </a:p>
+          <a:p>
+            <a:r>
+              <a:rPr lang="en-US" dirty="0"/>
+              <a:t>The following feature selection techniques were used:</a:t>
+            </a:r>
+          </a:p>
+          <a:p>
+            <a:pPr lvl="1"/>
+            <a:r>
+              <a:rPr lang="en-US" dirty="0"/>
+              <a:t>Univariate Selection</a:t>
+            </a:r>
+          </a:p>
+          <a:p>
+            <a:pPr lvl="1"/>
+            <a:r>
+              <a:rPr lang="en-US" dirty="0"/>
+              <a:t>Recursive Feature Elimination (RFE)</a:t>
+            </a:r>
+          </a:p>
+          <a:p>
+            <a:pPr lvl="1"/>
+            <a:r>
+              <a:rPr lang="en-US" dirty="0"/>
+              <a:t>PCA</a:t>
+            </a:r>
+          </a:p>
+          <a:p>
+            <a:pPr lvl="1"/>
+            <a:endParaRPr lang="en-US" dirty="0"/>
+          </a:p>
+          <a:p>
+            <a:r>
+              <a:rPr lang="en-US" dirty="0"/>
+              <a:t>From the common features with the highest scores determined in the previous measurements, </a:t>
+            </a:r>
+            <a:r>
+              <a:rPr lang="en-US" dirty="0">
+                <a:solidFill>
+                  <a:srgbClr val="0070C0"/>
+                </a:solidFill>
+              </a:rPr>
+              <a:t>10</a:t>
+            </a:r>
+            <a:r>
+              <a:rPr lang="en-US" dirty="0"/>
+              <a:t> were chosen to populate the new data</a:t>
+            </a:r>
+          </a:p>
+        </p:txBody>
+      </p:sp>
+    </p:spTree>
+    <p:extLst>
+      <p:ext uri="{BB962C8B-B14F-4D97-AF65-F5344CB8AC3E}">
+        <p14:creationId xmlns:p14="http://schemas.microsoft.com/office/powerpoint/2010/main" val="1281823054"/>
+      </p:ext>
+    </p:extLst>
+  </p:cSld>
+  <p:clrMapOvr>
+    <a:masterClrMapping/>
+  </p:clrMapOvr>
 </p:sld>
 </file>
 
@@ -4382,4 +5671,10 @@
     </a:ext>
   </a:extLst>
 </a:theme>
+</file>
+
+<file path=docMetadata/LabelInfo.xml><?xml version="1.0" encoding="utf-8"?>
+<clbl:labelList xmlns:clbl="http://schemas.microsoft.com/office/2020/mipLabelMetadata">
+  <clbl:label id="{e6c818a6-e1a0-4a6e-a969-20d857c5dc62}" enabled="1" method="Standard" siteId="{90c7a20a-f34b-40bf-bc48-b9253b6f5d20}" contentBits="2" removed="0"/>
+</clbl:labelList>
 </file>